--- a/cjcar16_slides.pptx
+++ b/cjcar16_slides.pptx
@@ -3472,7 +3472,7 @@
         <p:spPr>
           <a:xfrm>
             <a:off x="1626565" y="8655050"/>
-            <a:ext cx="2385670" cy="647700"/>
+            <a:ext cx="2385670" cy="647701"/>
           </a:xfrm>
           <a:prstGeom prst="rect">
             <a:avLst/>
@@ -3966,7 +3966,7 @@
           <a:p>
             <a:pPr/>
             <a:r>
-              <a:t>Looking back, we know quite a bit about who has been executed in America. Looking ahead, however, we knw very little about who is to be executed and how their cases move through the system. This project shines a light on these cases and the death penalty in action nationwide.</a:t>
+              <a:t>Looking back, we know quite a bit about who has been executed in America. Looking ahead, however, we know very little about who is to be executed and how their cases move through the system. This project shines a light on these cases and the death penalty in action nationwide.</a:t>
             </a:r>
           </a:p>
         </p:txBody>
